--- a/documents/thesis/TQLBO-paper/marco teorico/Cruz.pptx
+++ b/documents/thesis/TQLBO-paper/marco teorico/Cruz.pptx
@@ -288,7 +288,7 @@
           <a:p>
             <a:fld id="{DB87CE02-1A69-4910-B3F0-4556A6E0B9F1}" type="datetimeFigureOut">
               <a:rPr lang="es-CO" smtClean="0"/>
-              <a:t>12/12/2012</a:t>
+              <a:t>27/12/2012</a:t>
             </a:fld>
             <a:endParaRPr lang="es-CO"/>
           </a:p>
@@ -458,7 +458,7 @@
           <a:p>
             <a:fld id="{DB87CE02-1A69-4910-B3F0-4556A6E0B9F1}" type="datetimeFigureOut">
               <a:rPr lang="es-CO" smtClean="0"/>
-              <a:t>12/12/2012</a:t>
+              <a:t>27/12/2012</a:t>
             </a:fld>
             <a:endParaRPr lang="es-CO"/>
           </a:p>
@@ -638,7 +638,7 @@
           <a:p>
             <a:fld id="{DB87CE02-1A69-4910-B3F0-4556A6E0B9F1}" type="datetimeFigureOut">
               <a:rPr lang="es-CO" smtClean="0"/>
-              <a:t>12/12/2012</a:t>
+              <a:t>27/12/2012</a:t>
             </a:fld>
             <a:endParaRPr lang="es-CO"/>
           </a:p>
@@ -808,7 +808,7 @@
           <a:p>
             <a:fld id="{DB87CE02-1A69-4910-B3F0-4556A6E0B9F1}" type="datetimeFigureOut">
               <a:rPr lang="es-CO" smtClean="0"/>
-              <a:t>12/12/2012</a:t>
+              <a:t>27/12/2012</a:t>
             </a:fld>
             <a:endParaRPr lang="es-CO"/>
           </a:p>
@@ -1054,7 +1054,7 @@
           <a:p>
             <a:fld id="{DB87CE02-1A69-4910-B3F0-4556A6E0B9F1}" type="datetimeFigureOut">
               <a:rPr lang="es-CO" smtClean="0"/>
-              <a:t>12/12/2012</a:t>
+              <a:t>27/12/2012</a:t>
             </a:fld>
             <a:endParaRPr lang="es-CO"/>
           </a:p>
@@ -1342,7 +1342,7 @@
           <a:p>
             <a:fld id="{DB87CE02-1A69-4910-B3F0-4556A6E0B9F1}" type="datetimeFigureOut">
               <a:rPr lang="es-CO" smtClean="0"/>
-              <a:t>12/12/2012</a:t>
+              <a:t>27/12/2012</a:t>
             </a:fld>
             <a:endParaRPr lang="es-CO"/>
           </a:p>
@@ -1769,7 +1769,7 @@
           <a:p>
             <a:fld id="{DB87CE02-1A69-4910-B3F0-4556A6E0B9F1}" type="datetimeFigureOut">
               <a:rPr lang="es-CO" smtClean="0"/>
-              <a:t>12/12/2012</a:t>
+              <a:t>27/12/2012</a:t>
             </a:fld>
             <a:endParaRPr lang="es-CO"/>
           </a:p>
@@ -1887,7 +1887,7 @@
           <a:p>
             <a:fld id="{DB87CE02-1A69-4910-B3F0-4556A6E0B9F1}" type="datetimeFigureOut">
               <a:rPr lang="es-CO" smtClean="0"/>
-              <a:t>12/12/2012</a:t>
+              <a:t>27/12/2012</a:t>
             </a:fld>
             <a:endParaRPr lang="es-CO"/>
           </a:p>
@@ -1982,7 +1982,7 @@
           <a:p>
             <a:fld id="{DB87CE02-1A69-4910-B3F0-4556A6E0B9F1}" type="datetimeFigureOut">
               <a:rPr lang="es-CO" smtClean="0"/>
-              <a:t>12/12/2012</a:t>
+              <a:t>27/12/2012</a:t>
             </a:fld>
             <a:endParaRPr lang="es-CO"/>
           </a:p>
@@ -2259,7 +2259,7 @@
           <a:p>
             <a:fld id="{DB87CE02-1A69-4910-B3F0-4556A6E0B9F1}" type="datetimeFigureOut">
               <a:rPr lang="es-CO" smtClean="0"/>
-              <a:t>12/12/2012</a:t>
+              <a:t>27/12/2012</a:t>
             </a:fld>
             <a:endParaRPr lang="es-CO"/>
           </a:p>
@@ -2512,7 +2512,7 @@
           <a:p>
             <a:fld id="{DB87CE02-1A69-4910-B3F0-4556A6E0B9F1}" type="datetimeFigureOut">
               <a:rPr lang="es-CO" smtClean="0"/>
-              <a:t>12/12/2012</a:t>
+              <a:t>27/12/2012</a:t>
             </a:fld>
             <a:endParaRPr lang="es-CO"/>
           </a:p>
@@ -2725,7 +2725,7 @@
           <a:p>
             <a:fld id="{DB87CE02-1A69-4910-B3F0-4556A6E0B9F1}" type="datetimeFigureOut">
               <a:rPr lang="es-CO" smtClean="0"/>
-              <a:t>12/12/2012</a:t>
+              <a:t>27/12/2012</a:t>
             </a:fld>
             <a:endParaRPr lang="es-CO"/>
           </a:p>
@@ -3102,32 +3102,32 @@
       </p:grpSpPr>
       <p:graphicFrame>
         <p:nvGraphicFramePr>
-          <p:cNvPr id="5" name="4 Objeto"/>
+          <p:cNvPr id="6" name="5 Objeto"/>
           <p:cNvGraphicFramePr>
             <a:graphicFrameLocks noChangeAspect="1"/>
           </p:cNvGraphicFramePr>
           <p:nvPr>
             <p:extLst>
               <p:ext uri="{D42A27DB-BD31-4B8C-83A1-F6EECF244321}">
-                <p14:modId xmlns:p14="http://schemas.microsoft.com/office/powerpoint/2010/main" val="3721680312"/>
+                <p14:modId xmlns:p14="http://schemas.microsoft.com/office/powerpoint/2010/main" val="3167562904"/>
               </p:ext>
             </p:extLst>
           </p:nvPr>
         </p:nvGraphicFramePr>
         <p:xfrm>
-          <a:off x="13419138" y="2235200"/>
-          <a:ext cx="254000" cy="177800"/>
+          <a:off x="9877425" y="4195763"/>
+          <a:ext cx="2706688" cy="523875"/>
         </p:xfrm>
         <a:graphic>
           <a:graphicData uri="http://schemas.openxmlformats.org/presentationml/2006/ole">
             <mc:AlternateContent xmlns:mc="http://schemas.openxmlformats.org/markup-compatibility/2006">
               <mc:Choice xmlns:v="urn:schemas-microsoft-com:vml" Requires="v">
-                <p:oleObj spid="_x0000_s1052" name="Ecuación" r:id="rId3" imgW="253800" imgH="177480" progId="Equation.3">
+                <p:oleObj spid="_x0000_s1067" name="Ecuación" r:id="rId3" imgW="1180800" imgH="228600" progId="Equation.3">
                   <p:embed/>
                 </p:oleObj>
               </mc:Choice>
               <mc:Fallback>
-                <p:oleObj name="Ecuación" r:id="rId3" imgW="253800" imgH="177480" progId="Equation.3">
+                <p:oleObj name="Ecuación" r:id="rId3" imgW="1180800" imgH="228600" progId="Equation.3">
                   <p:embed/>
                   <p:pic>
                     <p:nvPicPr>
@@ -3137,63 +3137,6 @@
                     </p:nvPicPr>
                     <p:blipFill>
                       <a:blip r:embed="rId4"/>
-                      <a:stretch>
-                        <a:fillRect/>
-                      </a:stretch>
-                    </p:blipFill>
-                    <p:spPr>
-                      <a:xfrm>
-                        <a:off x="13419138" y="2235200"/>
-                        <a:ext cx="254000" cy="177800"/>
-                      </a:xfrm>
-                      <a:prstGeom prst="rect">
-                        <a:avLst/>
-                      </a:prstGeom>
-                    </p:spPr>
-                  </p:pic>
-                </p:oleObj>
-              </mc:Fallback>
-            </mc:AlternateContent>
-          </a:graphicData>
-        </a:graphic>
-      </p:graphicFrame>
-      <p:graphicFrame>
-        <p:nvGraphicFramePr>
-          <p:cNvPr id="6" name="5 Objeto"/>
-          <p:cNvGraphicFramePr>
-            <a:graphicFrameLocks noChangeAspect="1"/>
-          </p:cNvGraphicFramePr>
-          <p:nvPr>
-            <p:extLst>
-              <p:ext uri="{D42A27DB-BD31-4B8C-83A1-F6EECF244321}">
-                <p14:modId xmlns:p14="http://schemas.microsoft.com/office/powerpoint/2010/main" val="3167562904"/>
-              </p:ext>
-            </p:extLst>
-          </p:nvPr>
-        </p:nvGraphicFramePr>
-        <p:xfrm>
-          <a:off x="9877425" y="4195763"/>
-          <a:ext cx="2706688" cy="523875"/>
-        </p:xfrm>
-        <a:graphic>
-          <a:graphicData uri="http://schemas.openxmlformats.org/presentationml/2006/ole">
-            <mc:AlternateContent xmlns:mc="http://schemas.openxmlformats.org/markup-compatibility/2006">
-              <mc:Choice xmlns:v="urn:schemas-microsoft-com:vml" Requires="v">
-                <p:oleObj spid="_x0000_s1053" name="Ecuación" r:id="rId5" imgW="1180800" imgH="228600" progId="Equation.3">
-                  <p:embed/>
-                </p:oleObj>
-              </mc:Choice>
-              <mc:Fallback>
-                <p:oleObj name="Ecuación" r:id="rId5" imgW="1180800" imgH="228600" progId="Equation.3">
-                  <p:embed/>
-                  <p:pic>
-                    <p:nvPicPr>
-                      <p:cNvPr id="0" name=""/>
-                      <p:cNvPicPr/>
-                      <p:nvPr/>
-                    </p:nvPicPr>
-                    <p:blipFill>
-                      <a:blip r:embed="rId6"/>
                       <a:stretch>
                         <a:fillRect/>
                       </a:stretch>
@@ -3236,12 +3179,12 @@
           <a:graphicData uri="http://schemas.openxmlformats.org/presentationml/2006/ole">
             <mc:AlternateContent xmlns:mc="http://schemas.openxmlformats.org/markup-compatibility/2006">
               <mc:Choice xmlns:v="urn:schemas-microsoft-com:vml" Requires="v">
-                <p:oleObj spid="_x0000_s1054" name="Ecuación" r:id="rId7" imgW="1180800" imgH="228600" progId="Equation.3">
+                <p:oleObj spid="_x0000_s1068" name="Ecuación" r:id="rId5" imgW="1180800" imgH="228600" progId="Equation.3">
                   <p:embed/>
                 </p:oleObj>
               </mc:Choice>
               <mc:Fallback>
-                <p:oleObj name="Ecuación" r:id="rId7" imgW="1180800" imgH="228600" progId="Equation.3">
+                <p:oleObj name="Ecuación" r:id="rId5" imgW="1180800" imgH="228600" progId="Equation.3">
                   <p:embed/>
                   <p:pic>
                     <p:nvPicPr>
@@ -3252,7 +3195,7 @@
                       <p:nvPr/>
                     </p:nvPicPr>
                     <p:blipFill>
-                      <a:blip r:embed="rId8"/>
+                      <a:blip r:embed="rId6"/>
                       <a:srcRect/>
                       <a:stretch>
                         <a:fillRect/>
@@ -3319,12 +3262,12 @@
           <a:graphicData uri="http://schemas.openxmlformats.org/presentationml/2006/ole">
             <mc:AlternateContent xmlns:mc="http://schemas.openxmlformats.org/markup-compatibility/2006">
               <mc:Choice xmlns:v="urn:schemas-microsoft-com:vml" Requires="v">
-                <p:oleObj spid="_x0000_s1055" name="Ecuación" r:id="rId9" imgW="1282680" imgH="228600" progId="Equation.3">
+                <p:oleObj spid="_x0000_s1069" name="Ecuación" r:id="rId7" imgW="1282680" imgH="228600" progId="Equation.3">
                   <p:embed/>
                 </p:oleObj>
               </mc:Choice>
               <mc:Fallback>
-                <p:oleObj name="Ecuación" r:id="rId9" imgW="1282680" imgH="228600" progId="Equation.3">
+                <p:oleObj name="Ecuación" r:id="rId7" imgW="1282680" imgH="228600" progId="Equation.3">
                   <p:embed/>
                   <p:pic>
                     <p:nvPicPr>
@@ -3335,7 +3278,7 @@
                       <p:nvPr/>
                     </p:nvPicPr>
                     <p:blipFill>
-                      <a:blip r:embed="rId10"/>
+                      <a:blip r:embed="rId8"/>
                       <a:srcRect/>
                       <a:stretch>
                         <a:fillRect/>
@@ -3402,12 +3345,12 @@
           <a:graphicData uri="http://schemas.openxmlformats.org/presentationml/2006/ole">
             <mc:AlternateContent xmlns:mc="http://schemas.openxmlformats.org/markup-compatibility/2006">
               <mc:Choice xmlns:v="urn:schemas-microsoft-com:vml" Requires="v">
-                <p:oleObj spid="_x0000_s1056" name="Ecuación" r:id="rId11" imgW="1447560" imgH="228600" progId="Equation.3">
+                <p:oleObj spid="_x0000_s1070" name="Ecuación" r:id="rId9" imgW="1447560" imgH="228600" progId="Equation.3">
                   <p:embed/>
                 </p:oleObj>
               </mc:Choice>
               <mc:Fallback>
-                <p:oleObj name="Ecuación" r:id="rId11" imgW="1447560" imgH="228600" progId="Equation.3">
+                <p:oleObj name="Ecuación" r:id="rId9" imgW="1447560" imgH="228600" progId="Equation.3">
                   <p:embed/>
                   <p:pic>
                     <p:nvPicPr>
@@ -3418,7 +3361,7 @@
                       <p:nvPr/>
                     </p:nvPicPr>
                     <p:blipFill>
-                      <a:blip r:embed="rId12"/>
+                      <a:blip r:embed="rId10"/>
                       <a:srcRect/>
                       <a:stretch>
                         <a:fillRect/>
@@ -3465,14 +3408,14 @@
       </p:graphicFrame>
       <p:pic>
         <p:nvPicPr>
-          <p:cNvPr id="1051" name="Picture 27" descr="E:\personal\maestria\tesis\Jeronimo\trunk\documents\thesis\TQLBO-paper\images\cruz1.png"/>
+          <p:cNvPr id="1066" name="Picture 42" descr="E:\personal\maestria\tesis\Jeronimo\trunk\documents\thesis\TQLBO-paper\images\cruz1.png"/>
           <p:cNvPicPr>
             <a:picLocks noChangeAspect="1" noChangeArrowheads="1"/>
           </p:cNvPicPr>
           <p:nvPr/>
         </p:nvPicPr>
         <p:blipFill>
-          <a:blip r:embed="rId13">
+          <a:blip r:embed="rId11">
             <a:extLst>
               <a:ext uri="{28A0092B-C50C-407E-A947-70E740481C1C}">
                 <a14:useLocalDpi xmlns:a14="http://schemas.microsoft.com/office/drawing/2010/main" val="0"/>
@@ -3486,8 +3429,8 @@
         </p:blipFill>
         <p:spPr bwMode="auto">
           <a:xfrm>
-            <a:off x="-1" y="-8756"/>
-            <a:ext cx="27089101" cy="4286251"/>
+            <a:off x="0" y="13311"/>
+            <a:ext cx="27089101" cy="4286250"/>
           </a:xfrm>
           <a:prstGeom prst="rect">
             <a:avLst/>

--- a/documents/thesis/TQLBO-paper/marco teorico/Cruz.pptx
+++ b/documents/thesis/TQLBO-paper/marco teorico/Cruz.pptx
@@ -7,7 +7,7 @@
   <p:sldIdLst>
     <p:sldId id="256" r:id="rId2"/>
   </p:sldIdLst>
-  <p:sldSz cx="27093863" cy="4648200"/>
+  <p:sldSz cx="27093863" cy="5040313"/>
   <p:notesSz cx="4191000" cy="26633488"/>
   <p:defaultTextStyle>
     <a:defPPr>
@@ -136,8 +136,8 @@
         </p:nvSpPr>
         <p:spPr>
           <a:xfrm>
-            <a:off x="2032040" y="1443955"/>
-            <a:ext cx="23029784" cy="996350"/>
+            <a:off x="2032040" y="1565765"/>
+            <a:ext cx="23029784" cy="1080400"/>
           </a:xfrm>
         </p:spPr>
         <p:txBody>
@@ -164,8 +164,8 @@
         </p:nvSpPr>
         <p:spPr>
           <a:xfrm>
-            <a:off x="4064080" y="2633980"/>
-            <a:ext cx="18965704" cy="1187874"/>
+            <a:off x="4064080" y="2856178"/>
+            <a:ext cx="18965704" cy="1288081"/>
           </a:xfrm>
         </p:spPr>
         <p:txBody>
@@ -288,7 +288,7 @@
           <a:p>
             <a:fld id="{DB87CE02-1A69-4910-B3F0-4556A6E0B9F1}" type="datetimeFigureOut">
               <a:rPr lang="es-CO" smtClean="0"/>
-              <a:t>27/12/2012</a:t>
+              <a:t>14/01/2013</a:t>
             </a:fld>
             <a:endParaRPr lang="es-CO"/>
           </a:p>
@@ -458,7 +458,7 @@
           <a:p>
             <a:fld id="{DB87CE02-1A69-4910-B3F0-4556A6E0B9F1}" type="datetimeFigureOut">
               <a:rPr lang="es-CO" smtClean="0"/>
-              <a:t>27/12/2012</a:t>
+              <a:t>14/01/2013</a:t>
             </a:fld>
             <a:endParaRPr lang="es-CO"/>
           </a:p>
@@ -548,8 +548,8 @@
         </p:nvSpPr>
         <p:spPr>
           <a:xfrm>
-            <a:off x="58204769" y="116205"/>
-            <a:ext cx="18062575" cy="2480117"/>
+            <a:off x="58204771" y="126008"/>
+            <a:ext cx="18062575" cy="2689335"/>
           </a:xfrm>
         </p:spPr>
         <p:txBody>
@@ -576,8 +576,8 @@
         </p:nvSpPr>
         <p:spPr>
           <a:xfrm>
-            <a:off x="4012341" y="116205"/>
-            <a:ext cx="53740864" cy="2480117"/>
+            <a:off x="4012341" y="126008"/>
+            <a:ext cx="53740864" cy="2689335"/>
           </a:xfrm>
         </p:spPr>
         <p:txBody>
@@ -638,7 +638,7 @@
           <a:p>
             <a:fld id="{DB87CE02-1A69-4910-B3F0-4556A6E0B9F1}" type="datetimeFigureOut">
               <a:rPr lang="es-CO" smtClean="0"/>
-              <a:t>27/12/2012</a:t>
+              <a:t>14/01/2013</a:t>
             </a:fld>
             <a:endParaRPr lang="es-CO"/>
           </a:p>
@@ -808,7 +808,7 @@
           <a:p>
             <a:fld id="{DB87CE02-1A69-4910-B3F0-4556A6E0B9F1}" type="datetimeFigureOut">
               <a:rPr lang="es-CO" smtClean="0"/>
-              <a:t>27/12/2012</a:t>
+              <a:t>14/01/2013</a:t>
             </a:fld>
             <a:endParaRPr lang="es-CO"/>
           </a:p>
@@ -898,8 +898,8 @@
         </p:nvSpPr>
         <p:spPr>
           <a:xfrm>
-            <a:off x="2140228" y="2986899"/>
-            <a:ext cx="23029784" cy="923184"/>
+            <a:off x="2140228" y="3238868"/>
+            <a:ext cx="23029784" cy="1001062"/>
           </a:xfrm>
         </p:spPr>
         <p:txBody>
@@ -930,8 +930,8 @@
         </p:nvSpPr>
         <p:spPr>
           <a:xfrm>
-            <a:off x="2140228" y="1970106"/>
-            <a:ext cx="23029784" cy="1016793"/>
+            <a:off x="2140228" y="2136301"/>
+            <a:ext cx="23029784" cy="1102568"/>
           </a:xfrm>
         </p:spPr>
         <p:txBody>
@@ -1054,7 +1054,7 @@
           <a:p>
             <a:fld id="{DB87CE02-1A69-4910-B3F0-4556A6E0B9F1}" type="datetimeFigureOut">
               <a:rPr lang="es-CO" smtClean="0"/>
-              <a:t>27/12/2012</a:t>
+              <a:t>14/01/2013</a:t>
             </a:fld>
             <a:endParaRPr lang="es-CO"/>
           </a:p>
@@ -1167,8 +1167,8 @@
         </p:nvSpPr>
         <p:spPr>
           <a:xfrm>
-            <a:off x="4012339" y="677863"/>
-            <a:ext cx="35899368" cy="1918459"/>
+            <a:off x="4012339" y="735047"/>
+            <a:ext cx="35899368" cy="2080296"/>
           </a:xfrm>
         </p:spPr>
         <p:txBody>
@@ -1252,8 +1252,8 @@
         </p:nvSpPr>
         <p:spPr>
           <a:xfrm>
-            <a:off x="40363274" y="677863"/>
-            <a:ext cx="35904071" cy="1918459"/>
+            <a:off x="40363276" y="735047"/>
+            <a:ext cx="35904071" cy="2080296"/>
           </a:xfrm>
         </p:spPr>
         <p:txBody>
@@ -1342,7 +1342,7 @@
           <a:p>
             <a:fld id="{DB87CE02-1A69-4910-B3F0-4556A6E0B9F1}" type="datetimeFigureOut">
               <a:rPr lang="es-CO" smtClean="0"/>
-              <a:t>27/12/2012</a:t>
+              <a:t>14/01/2013</a:t>
             </a:fld>
             <a:endParaRPr lang="es-CO"/>
           </a:p>
@@ -1432,8 +1432,8 @@
         </p:nvSpPr>
         <p:spPr>
           <a:xfrm>
-            <a:off x="1354693" y="186143"/>
-            <a:ext cx="24384477" cy="774700"/>
+            <a:off x="1354693" y="201846"/>
+            <a:ext cx="24384477" cy="840052"/>
           </a:xfrm>
         </p:spPr>
         <p:txBody>
@@ -1464,8 +1464,8 @@
         </p:nvSpPr>
         <p:spPr>
           <a:xfrm>
-            <a:off x="1354694" y="1040466"/>
-            <a:ext cx="11971161" cy="433616"/>
+            <a:off x="1354694" y="1128237"/>
+            <a:ext cx="11971161" cy="470195"/>
           </a:xfrm>
         </p:spPr>
         <p:txBody>
@@ -1529,8 +1529,8 @@
         </p:nvSpPr>
         <p:spPr>
           <a:xfrm>
-            <a:off x="1354694" y="1474082"/>
-            <a:ext cx="11971161" cy="2678095"/>
+            <a:off x="1354694" y="1598433"/>
+            <a:ext cx="11971161" cy="2904014"/>
           </a:xfrm>
         </p:spPr>
         <p:txBody>
@@ -1614,8 +1614,8 @@
         </p:nvSpPr>
         <p:spPr>
           <a:xfrm>
-            <a:off x="13763307" y="1040466"/>
-            <a:ext cx="11975864" cy="433616"/>
+            <a:off x="13763307" y="1128237"/>
+            <a:ext cx="11975864" cy="470195"/>
           </a:xfrm>
         </p:spPr>
         <p:txBody>
@@ -1679,8 +1679,8 @@
         </p:nvSpPr>
         <p:spPr>
           <a:xfrm>
-            <a:off x="13763307" y="1474082"/>
-            <a:ext cx="11975864" cy="2678095"/>
+            <a:off x="13763307" y="1598433"/>
+            <a:ext cx="11975864" cy="2904014"/>
           </a:xfrm>
         </p:spPr>
         <p:txBody>
@@ -1769,7 +1769,7 @@
           <a:p>
             <a:fld id="{DB87CE02-1A69-4910-B3F0-4556A6E0B9F1}" type="datetimeFigureOut">
               <a:rPr lang="es-CO" smtClean="0"/>
-              <a:t>27/12/2012</a:t>
+              <a:t>14/01/2013</a:t>
             </a:fld>
             <a:endParaRPr lang="es-CO"/>
           </a:p>
@@ -1887,7 +1887,7 @@
           <a:p>
             <a:fld id="{DB87CE02-1A69-4910-B3F0-4556A6E0B9F1}" type="datetimeFigureOut">
               <a:rPr lang="es-CO" smtClean="0"/>
-              <a:t>27/12/2012</a:t>
+              <a:t>14/01/2013</a:t>
             </a:fld>
             <a:endParaRPr lang="es-CO"/>
           </a:p>
@@ -1982,7 +1982,7 @@
           <a:p>
             <a:fld id="{DB87CE02-1A69-4910-B3F0-4556A6E0B9F1}" type="datetimeFigureOut">
               <a:rPr lang="es-CO" smtClean="0"/>
-              <a:t>27/12/2012</a:t>
+              <a:t>14/01/2013</a:t>
             </a:fld>
             <a:endParaRPr lang="es-CO"/>
           </a:p>
@@ -2072,8 +2072,8 @@
         </p:nvSpPr>
         <p:spPr>
           <a:xfrm>
-            <a:off x="1354695" y="185068"/>
-            <a:ext cx="8913694" cy="787611"/>
+            <a:off x="1354695" y="200680"/>
+            <a:ext cx="8913694" cy="854052"/>
           </a:xfrm>
         </p:spPr>
         <p:txBody>
@@ -2104,8 +2104,8 @@
         </p:nvSpPr>
         <p:spPr>
           <a:xfrm>
-            <a:off x="10592948" y="185068"/>
-            <a:ext cx="15146222" cy="3967110"/>
+            <a:off x="10592948" y="200681"/>
+            <a:ext cx="15146222" cy="4301768"/>
           </a:xfrm>
         </p:spPr>
         <p:txBody>
@@ -2189,8 +2189,8 @@
         </p:nvSpPr>
         <p:spPr>
           <a:xfrm>
-            <a:off x="1354695" y="972679"/>
-            <a:ext cx="8913694" cy="3179499"/>
+            <a:off x="1354695" y="1054733"/>
+            <a:ext cx="8913694" cy="3447715"/>
           </a:xfrm>
         </p:spPr>
         <p:txBody>
@@ -2259,7 +2259,7 @@
           <a:p>
             <a:fld id="{DB87CE02-1A69-4910-B3F0-4556A6E0B9F1}" type="datetimeFigureOut">
               <a:rPr lang="es-CO" smtClean="0"/>
-              <a:t>27/12/2012</a:t>
+              <a:t>14/01/2013</a:t>
             </a:fld>
             <a:endParaRPr lang="es-CO"/>
           </a:p>
@@ -2349,8 +2349,8 @@
         </p:nvSpPr>
         <p:spPr>
           <a:xfrm>
-            <a:off x="5310587" y="3253740"/>
-            <a:ext cx="16256318" cy="384122"/>
+            <a:off x="5310587" y="3528220"/>
+            <a:ext cx="16256318" cy="416525"/>
           </a:xfrm>
         </p:spPr>
         <p:txBody>
@@ -2381,8 +2381,8 @@
         </p:nvSpPr>
         <p:spPr>
           <a:xfrm>
-            <a:off x="5310587" y="415326"/>
-            <a:ext cx="16256318" cy="2788920"/>
+            <a:off x="5310587" y="450362"/>
+            <a:ext cx="16256318" cy="3024188"/>
           </a:xfrm>
         </p:spPr>
         <p:txBody>
@@ -2442,8 +2442,8 @@
         </p:nvSpPr>
         <p:spPr>
           <a:xfrm>
-            <a:off x="5310587" y="3637863"/>
-            <a:ext cx="16256318" cy="545517"/>
+            <a:off x="5310587" y="3944747"/>
+            <a:ext cx="16256318" cy="591536"/>
           </a:xfrm>
         </p:spPr>
         <p:txBody>
@@ -2512,7 +2512,7 @@
           <a:p>
             <a:fld id="{DB87CE02-1A69-4910-B3F0-4556A6E0B9F1}" type="datetimeFigureOut">
               <a:rPr lang="es-CO" smtClean="0"/>
-              <a:t>27/12/2012</a:t>
+              <a:t>14/01/2013</a:t>
             </a:fld>
             <a:endParaRPr lang="es-CO"/>
           </a:p>
@@ -2607,8 +2607,8 @@
         </p:nvSpPr>
         <p:spPr>
           <a:xfrm>
-            <a:off x="1354693" y="186143"/>
-            <a:ext cx="24384477" cy="774700"/>
+            <a:off x="1354693" y="201846"/>
+            <a:ext cx="24384477" cy="840052"/>
           </a:xfrm>
           <a:prstGeom prst="rect">
             <a:avLst/>
@@ -2640,8 +2640,8 @@
         </p:nvSpPr>
         <p:spPr>
           <a:xfrm>
-            <a:off x="1354693" y="1084581"/>
-            <a:ext cx="24384477" cy="3067597"/>
+            <a:off x="1354693" y="1176074"/>
+            <a:ext cx="24384477" cy="3326374"/>
           </a:xfrm>
           <a:prstGeom prst="rect">
             <a:avLst/>
@@ -2702,8 +2702,8 @@
         </p:nvSpPr>
         <p:spPr>
           <a:xfrm>
-            <a:off x="1354694" y="4308193"/>
-            <a:ext cx="6321901" cy="247474"/>
+            <a:off x="1354696" y="4671623"/>
+            <a:ext cx="6321901" cy="268351"/>
           </a:xfrm>
           <a:prstGeom prst="rect">
             <a:avLst/>
@@ -2725,7 +2725,7 @@
           <a:p>
             <a:fld id="{DB87CE02-1A69-4910-B3F0-4556A6E0B9F1}" type="datetimeFigureOut">
               <a:rPr lang="es-CO" smtClean="0"/>
-              <a:t>27/12/2012</a:t>
+              <a:t>14/01/2013</a:t>
             </a:fld>
             <a:endParaRPr lang="es-CO"/>
           </a:p>
@@ -2743,8 +2743,8 @@
         </p:nvSpPr>
         <p:spPr>
           <a:xfrm>
-            <a:off x="9257070" y="4308193"/>
-            <a:ext cx="8579723" cy="247474"/>
+            <a:off x="9257070" y="4671623"/>
+            <a:ext cx="8579723" cy="268351"/>
           </a:xfrm>
           <a:prstGeom prst="rect">
             <a:avLst/>
@@ -2780,8 +2780,8 @@
         </p:nvSpPr>
         <p:spPr>
           <a:xfrm>
-            <a:off x="19417270" y="4308193"/>
-            <a:ext cx="6321901" cy="247474"/>
+            <a:off x="19417272" y="4671623"/>
+            <a:ext cx="6321901" cy="268351"/>
           </a:xfrm>
           <a:prstGeom prst="rect">
             <a:avLst/>
@@ -3100,6 +3100,47 @@
           <a:chExt cx="0" cy="0"/>
         </a:xfrm>
       </p:grpSpPr>
+      <p:pic>
+        <p:nvPicPr>
+          <p:cNvPr id="1072" name="Picture 48" descr="E:\personal\maestria\tesis\Jeronimo\trunk\documents\thesis\TQLBO-paper\images\cruz1.png"/>
+          <p:cNvPicPr>
+            <a:picLocks noChangeAspect="1" noChangeArrowheads="1"/>
+          </p:cNvPicPr>
+          <p:nvPr/>
+        </p:nvPicPr>
+        <p:blipFill>
+          <a:blip r:embed="rId3">
+            <a:extLst>
+              <a:ext uri="{28A0092B-C50C-407E-A947-70E740481C1C}">
+                <a14:useLocalDpi xmlns:a14="http://schemas.microsoft.com/office/drawing/2010/main" val="0"/>
+              </a:ext>
+            </a:extLst>
+          </a:blip>
+          <a:srcRect/>
+          <a:stretch>
+            <a:fillRect/>
+          </a:stretch>
+        </p:blipFill>
+        <p:spPr bwMode="auto">
+          <a:xfrm>
+            <a:off x="-4729" y="34106"/>
+            <a:ext cx="27089101" cy="4286250"/>
+          </a:xfrm>
+          <a:prstGeom prst="rect">
+            <a:avLst/>
+          </a:prstGeom>
+          <a:noFill/>
+          <a:extLst>
+            <a:ext uri="{909E8E84-426E-40DD-AFC4-6F175D3DCCD1}">
+              <a14:hiddenFill xmlns:a14="http://schemas.microsoft.com/office/drawing/2010/main">
+                <a:solidFill>
+                  <a:srgbClr val="FFFFFF"/>
+                </a:solidFill>
+              </a14:hiddenFill>
+            </a:ext>
+          </a:extLst>
+        </p:spPr>
+      </p:pic>
       <p:graphicFrame>
         <p:nvGraphicFramePr>
           <p:cNvPr id="6" name="5 Objeto"/>
@@ -3109,25 +3150,25 @@
           <p:nvPr>
             <p:extLst>
               <p:ext uri="{D42A27DB-BD31-4B8C-83A1-F6EECF244321}">
-                <p14:modId xmlns:p14="http://schemas.microsoft.com/office/powerpoint/2010/main" val="3167562904"/>
+                <p14:modId xmlns:p14="http://schemas.microsoft.com/office/powerpoint/2010/main" val="2943231089"/>
               </p:ext>
             </p:extLst>
           </p:nvPr>
         </p:nvGraphicFramePr>
         <p:xfrm>
-          <a:off x="9877425" y="4195763"/>
-          <a:ext cx="2706688" cy="523875"/>
+          <a:off x="9877425" y="4112328"/>
+          <a:ext cx="2706688" cy="568068"/>
         </p:xfrm>
         <a:graphic>
           <a:graphicData uri="http://schemas.openxmlformats.org/presentationml/2006/ole">
             <mc:AlternateContent xmlns:mc="http://schemas.openxmlformats.org/markup-compatibility/2006">
               <mc:Choice xmlns:v="urn:schemas-microsoft-com:vml" Requires="v">
-                <p:oleObj spid="_x0000_s1067" name="Ecuación" r:id="rId3" imgW="1180800" imgH="228600" progId="Equation.3">
+                <p:oleObj spid="_x0000_s1107" name="Ecuación" r:id="rId4" imgW="1180800" imgH="228600" progId="Equation.3">
                   <p:embed/>
                 </p:oleObj>
               </mc:Choice>
               <mc:Fallback>
-                <p:oleObj name="Ecuación" r:id="rId3" imgW="1180800" imgH="228600" progId="Equation.3">
+                <p:oleObj name="Ecuación" r:id="rId4" imgW="1180800" imgH="228600" progId="Equation.3">
                   <p:embed/>
                   <p:pic>
                     <p:nvPicPr>
@@ -3136,15 +3177,15 @@
                       <p:nvPr/>
                     </p:nvPicPr>
                     <p:blipFill>
-                      <a:blip r:embed="rId4"/>
+                      <a:blip r:embed="rId5"/>
                       <a:stretch>
                         <a:fillRect/>
                       </a:stretch>
                     </p:blipFill>
                     <p:spPr>
                       <a:xfrm>
-                        <a:off x="9877425" y="4195763"/>
-                        <a:ext cx="2706688" cy="523875"/>
+                        <a:off x="9877425" y="4112328"/>
+                        <a:ext cx="2706688" cy="568068"/>
                       </a:xfrm>
                       <a:prstGeom prst="rect">
                         <a:avLst/>
@@ -3166,25 +3207,25 @@
           <p:nvPr>
             <p:extLst>
               <p:ext uri="{D42A27DB-BD31-4B8C-83A1-F6EECF244321}">
-                <p14:modId xmlns:p14="http://schemas.microsoft.com/office/powerpoint/2010/main" val="480666425"/>
+                <p14:modId xmlns:p14="http://schemas.microsoft.com/office/powerpoint/2010/main" val="3969225908"/>
               </p:ext>
             </p:extLst>
           </p:nvPr>
         </p:nvGraphicFramePr>
         <p:xfrm>
-          <a:off x="14485938" y="4195763"/>
-          <a:ext cx="2706687" cy="523875"/>
+          <a:off x="14485938" y="4112328"/>
+          <a:ext cx="2706687" cy="568068"/>
         </p:xfrm>
         <a:graphic>
           <a:graphicData uri="http://schemas.openxmlformats.org/presentationml/2006/ole">
             <mc:AlternateContent xmlns:mc="http://schemas.openxmlformats.org/markup-compatibility/2006">
               <mc:Choice xmlns:v="urn:schemas-microsoft-com:vml" Requires="v">
-                <p:oleObj spid="_x0000_s1068" name="Ecuación" r:id="rId5" imgW="1180800" imgH="228600" progId="Equation.3">
+                <p:oleObj spid="_x0000_s1108" name="Ecuación" r:id="rId6" imgW="1180800" imgH="228600" progId="Equation.3">
                   <p:embed/>
                 </p:oleObj>
               </mc:Choice>
               <mc:Fallback>
-                <p:oleObj name="Ecuación" r:id="rId5" imgW="1180800" imgH="228600" progId="Equation.3">
+                <p:oleObj name="Ecuación" r:id="rId6" imgW="1180800" imgH="228600" progId="Equation.3">
                   <p:embed/>
                   <p:pic>
                     <p:nvPicPr>
@@ -3195,7 +3236,7 @@
                       <p:nvPr/>
                     </p:nvPicPr>
                     <p:blipFill>
-                      <a:blip r:embed="rId6"/>
+                      <a:blip r:embed="rId7"/>
                       <a:srcRect/>
                       <a:stretch>
                         <a:fillRect/>
@@ -3203,8 +3244,8 @@
                     </p:blipFill>
                     <p:spPr bwMode="auto">
                       <a:xfrm>
-                        <a:off x="14485938" y="4195763"/>
-                        <a:ext cx="2706687" cy="523875"/>
+                        <a:off x="14485938" y="4112328"/>
+                        <a:ext cx="2706687" cy="568068"/>
                       </a:xfrm>
                       <a:prstGeom prst="rect">
                         <a:avLst/>
@@ -3249,25 +3290,25 @@
           <p:nvPr>
             <p:extLst>
               <p:ext uri="{D42A27DB-BD31-4B8C-83A1-F6EECF244321}">
-                <p14:modId xmlns:p14="http://schemas.microsoft.com/office/powerpoint/2010/main" val="1945757449"/>
+                <p14:modId xmlns:p14="http://schemas.microsoft.com/office/powerpoint/2010/main" val="1534496918"/>
               </p:ext>
             </p:extLst>
           </p:nvPr>
         </p:nvGraphicFramePr>
         <p:xfrm>
-          <a:off x="18762663" y="4195763"/>
-          <a:ext cx="2940050" cy="523875"/>
+          <a:off x="18762663" y="4112328"/>
+          <a:ext cx="2940050" cy="568068"/>
         </p:xfrm>
         <a:graphic>
           <a:graphicData uri="http://schemas.openxmlformats.org/presentationml/2006/ole">
             <mc:AlternateContent xmlns:mc="http://schemas.openxmlformats.org/markup-compatibility/2006">
               <mc:Choice xmlns:v="urn:schemas-microsoft-com:vml" Requires="v">
-                <p:oleObj spid="_x0000_s1069" name="Ecuación" r:id="rId7" imgW="1282680" imgH="228600" progId="Equation.3">
+                <p:oleObj spid="_x0000_s1109" name="Ecuación" r:id="rId8" imgW="1282680" imgH="228600" progId="Equation.3">
                   <p:embed/>
                 </p:oleObj>
               </mc:Choice>
               <mc:Fallback>
-                <p:oleObj name="Ecuación" r:id="rId7" imgW="1282680" imgH="228600" progId="Equation.3">
+                <p:oleObj name="Ecuación" r:id="rId8" imgW="1282680" imgH="228600" progId="Equation.3">
                   <p:embed/>
                   <p:pic>
                     <p:nvPicPr>
@@ -3278,7 +3319,7 @@
                       <p:nvPr/>
                     </p:nvPicPr>
                     <p:blipFill>
-                      <a:blip r:embed="rId8"/>
+                      <a:blip r:embed="rId9"/>
                       <a:srcRect/>
                       <a:stretch>
                         <a:fillRect/>
@@ -3286,8 +3327,8 @@
                     </p:blipFill>
                     <p:spPr bwMode="auto">
                       <a:xfrm>
-                        <a:off x="18762663" y="4195763"/>
-                        <a:ext cx="2940050" cy="523875"/>
+                        <a:off x="18762663" y="4112328"/>
+                        <a:ext cx="2940050" cy="568068"/>
                       </a:xfrm>
                       <a:prstGeom prst="rect">
                         <a:avLst/>
@@ -3332,25 +3373,25 @@
           <p:nvPr>
             <p:extLst>
               <p:ext uri="{D42A27DB-BD31-4B8C-83A1-F6EECF244321}">
-                <p14:modId xmlns:p14="http://schemas.microsoft.com/office/powerpoint/2010/main" val="400452299"/>
+                <p14:modId xmlns:p14="http://schemas.microsoft.com/office/powerpoint/2010/main" val="470314685"/>
               </p:ext>
             </p:extLst>
           </p:nvPr>
         </p:nvGraphicFramePr>
         <p:xfrm>
-          <a:off x="23323550" y="4195763"/>
-          <a:ext cx="3316288" cy="523875"/>
+          <a:off x="23323550" y="4112328"/>
+          <a:ext cx="3316288" cy="568068"/>
         </p:xfrm>
         <a:graphic>
           <a:graphicData uri="http://schemas.openxmlformats.org/presentationml/2006/ole">
             <mc:AlternateContent xmlns:mc="http://schemas.openxmlformats.org/markup-compatibility/2006">
               <mc:Choice xmlns:v="urn:schemas-microsoft-com:vml" Requires="v">
-                <p:oleObj spid="_x0000_s1070" name="Ecuación" r:id="rId9" imgW="1447560" imgH="228600" progId="Equation.3">
+                <p:oleObj spid="_x0000_s1110" name="Ecuación" r:id="rId10" imgW="1447560" imgH="228600" progId="Equation.3">
                   <p:embed/>
                 </p:oleObj>
               </mc:Choice>
               <mc:Fallback>
-                <p:oleObj name="Ecuación" r:id="rId9" imgW="1447560" imgH="228600" progId="Equation.3">
+                <p:oleObj name="Ecuación" r:id="rId10" imgW="1447560" imgH="228600" progId="Equation.3">
                   <p:embed/>
                   <p:pic>
                     <p:nvPicPr>
@@ -3361,7 +3402,7 @@
                       <p:nvPr/>
                     </p:nvPicPr>
                     <p:blipFill>
-                      <a:blip r:embed="rId10"/>
+                      <a:blip r:embed="rId11"/>
                       <a:srcRect/>
                       <a:stretch>
                         <a:fillRect/>
@@ -3369,8 +3410,8 @@
                     </p:blipFill>
                     <p:spPr bwMode="auto">
                       <a:xfrm>
-                        <a:off x="23323550" y="4195763"/>
-                        <a:ext cx="3316288" cy="523875"/>
+                        <a:off x="23323550" y="4112328"/>
+                        <a:ext cx="3316288" cy="568068"/>
                       </a:xfrm>
                       <a:prstGeom prst="rect">
                         <a:avLst/>
@@ -3406,47 +3447,504 @@
           </a:graphicData>
         </a:graphic>
       </p:graphicFrame>
-      <p:pic>
-        <p:nvPicPr>
-          <p:cNvPr id="1066" name="Picture 42" descr="E:\personal\maestria\tesis\Jeronimo\trunk\documents\thesis\TQLBO-paper\images\cruz1.png"/>
-          <p:cNvPicPr>
-            <a:picLocks noChangeAspect="1" noChangeArrowheads="1"/>
-          </p:cNvPicPr>
-          <p:nvPr/>
-        </p:nvPicPr>
-        <p:blipFill>
-          <a:blip r:embed="rId11">
-            <a:extLst>
-              <a:ext uri="{28A0092B-C50C-407E-A947-70E740481C1C}">
-                <a14:useLocalDpi xmlns:a14="http://schemas.microsoft.com/office/drawing/2010/main" val="0"/>
-              </a:ext>
-            </a:extLst>
-          </a:blip>
-          <a:srcRect/>
-          <a:stretch>
-            <a:fillRect/>
-          </a:stretch>
-        </p:blipFill>
-        <p:spPr bwMode="auto">
-          <a:xfrm>
-            <a:off x="0" y="13311"/>
-            <a:ext cx="27089101" cy="4286250"/>
-          </a:xfrm>
-          <a:prstGeom prst="rect">
-            <a:avLst/>
-          </a:prstGeom>
-          <a:noFill/>
-          <a:extLst>
-            <a:ext uri="{909E8E84-426E-40DD-AFC4-6F175D3DCCD1}">
-              <a14:hiddenFill xmlns:a14="http://schemas.microsoft.com/office/drawing/2010/main">
-                <a:solidFill>
-                  <a:srgbClr val="FFFFFF"/>
-                </a:solidFill>
-              </a14:hiddenFill>
-            </a:ext>
-          </a:extLst>
-        </p:spPr>
-      </p:pic>
+      <p:graphicFrame>
+        <p:nvGraphicFramePr>
+          <p:cNvPr id="3" name="2 Objeto"/>
+          <p:cNvGraphicFramePr>
+            <a:graphicFrameLocks noChangeAspect="1"/>
+          </p:cNvGraphicFramePr>
+          <p:nvPr>
+            <p:extLst>
+              <p:ext uri="{D42A27DB-BD31-4B8C-83A1-F6EECF244321}">
+                <p14:modId xmlns:p14="http://schemas.microsoft.com/office/powerpoint/2010/main" val="1845988331"/>
+              </p:ext>
+            </p:extLst>
+          </p:nvPr>
+        </p:nvGraphicFramePr>
+        <p:xfrm>
+          <a:off x="1881635" y="4533901"/>
+          <a:ext cx="527050" cy="506412"/>
+        </p:xfrm>
+        <a:graphic>
+          <a:graphicData uri="http://schemas.openxmlformats.org/presentationml/2006/ole">
+            <mc:AlternateContent xmlns:mc="http://schemas.openxmlformats.org/markup-compatibility/2006">
+              <mc:Choice xmlns:v="urn:schemas-microsoft-com:vml" Requires="v">
+                <p:oleObj spid="_x0000_s1111" name="Ecuación" r:id="rId12" imgW="228600" imgH="203040" progId="Equation.3">
+                  <p:embed/>
+                </p:oleObj>
+              </mc:Choice>
+              <mc:Fallback>
+                <p:oleObj name="Ecuación" r:id="rId12" imgW="228600" imgH="203040" progId="Equation.3">
+                  <p:embed/>
+                  <p:pic>
+                    <p:nvPicPr>
+                      <p:cNvPr id="0" name="5 Objeto"/>
+                      <p:cNvPicPr>
+                        <a:picLocks noChangeAspect="1" noChangeArrowheads="1"/>
+                      </p:cNvPicPr>
+                      <p:nvPr/>
+                    </p:nvPicPr>
+                    <p:blipFill>
+                      <a:blip r:embed="rId13"/>
+                      <a:srcRect/>
+                      <a:stretch>
+                        <a:fillRect/>
+                      </a:stretch>
+                    </p:blipFill>
+                    <p:spPr bwMode="auto">
+                      <a:xfrm>
+                        <a:off x="1881635" y="4533901"/>
+                        <a:ext cx="527050" cy="506412"/>
+                      </a:xfrm>
+                      <a:prstGeom prst="rect">
+                        <a:avLst/>
+                      </a:prstGeom>
+                      <a:noFill/>
+                      <a:ln>
+                        <a:noFill/>
+                      </a:ln>
+                      <a:extLst>
+                        <a:ext uri="{909E8E84-426E-40DD-AFC4-6F175D3DCCD1}">
+                          <a14:hiddenFill xmlns:a14="http://schemas.microsoft.com/office/drawing/2010/main">
+                            <a:solidFill>
+                              <a:srgbClr val="FFFFFF"/>
+                            </a:solidFill>
+                          </a14:hiddenFill>
+                        </a:ext>
+                        <a:ext uri="{91240B29-F687-4F45-9708-019B960494DF}">
+                          <a14:hiddenLine xmlns:a14="http://schemas.microsoft.com/office/drawing/2010/main" w="9525">
+                            <a:solidFill>
+                              <a:srgbClr val="000000"/>
+                            </a:solidFill>
+                            <a:miter lim="800000"/>
+                            <a:headEnd/>
+                            <a:tailEnd/>
+                          </a14:hiddenLine>
+                        </a:ext>
+                      </a:extLst>
+                    </p:spPr>
+                  </p:pic>
+                </p:oleObj>
+              </mc:Fallback>
+            </mc:AlternateContent>
+          </a:graphicData>
+        </a:graphic>
+      </p:graphicFrame>
+      <p:graphicFrame>
+        <p:nvGraphicFramePr>
+          <p:cNvPr id="4" name="3 Objeto"/>
+          <p:cNvGraphicFramePr>
+            <a:graphicFrameLocks noChangeAspect="1"/>
+          </p:cNvGraphicFramePr>
+          <p:nvPr>
+            <p:extLst>
+              <p:ext uri="{D42A27DB-BD31-4B8C-83A1-F6EECF244321}">
+                <p14:modId xmlns:p14="http://schemas.microsoft.com/office/powerpoint/2010/main" val="91222744"/>
+              </p:ext>
+            </p:extLst>
+          </p:nvPr>
+        </p:nvGraphicFramePr>
+        <p:xfrm>
+          <a:off x="6395145" y="4605336"/>
+          <a:ext cx="527050" cy="506413"/>
+        </p:xfrm>
+        <a:graphic>
+          <a:graphicData uri="http://schemas.openxmlformats.org/presentationml/2006/ole">
+            <mc:AlternateContent xmlns:mc="http://schemas.openxmlformats.org/markup-compatibility/2006">
+              <mc:Choice xmlns:v="urn:schemas-microsoft-com:vml" Requires="v">
+                <p:oleObj spid="_x0000_s1112" name="Ecuación" r:id="rId14" imgW="228600" imgH="203040" progId="Equation.3">
+                  <p:embed/>
+                </p:oleObj>
+              </mc:Choice>
+              <mc:Fallback>
+                <p:oleObj name="Ecuación" r:id="rId14" imgW="228600" imgH="203040" progId="Equation.3">
+                  <p:embed/>
+                  <p:pic>
+                    <p:nvPicPr>
+                      <p:cNvPr id="0" name="2 Objeto"/>
+                      <p:cNvPicPr>
+                        <a:picLocks noChangeAspect="1" noChangeArrowheads="1"/>
+                      </p:cNvPicPr>
+                      <p:nvPr/>
+                    </p:nvPicPr>
+                    <p:blipFill>
+                      <a:blip r:embed="rId15"/>
+                      <a:srcRect/>
+                      <a:stretch>
+                        <a:fillRect/>
+                      </a:stretch>
+                    </p:blipFill>
+                    <p:spPr bwMode="auto">
+                      <a:xfrm>
+                        <a:off x="6395145" y="4605336"/>
+                        <a:ext cx="527050" cy="506413"/>
+                      </a:xfrm>
+                      <a:prstGeom prst="rect">
+                        <a:avLst/>
+                      </a:prstGeom>
+                      <a:noFill/>
+                      <a:ln>
+                        <a:noFill/>
+                      </a:ln>
+                      <a:extLst>
+                        <a:ext uri="{909E8E84-426E-40DD-AFC4-6F175D3DCCD1}">
+                          <a14:hiddenFill xmlns:a14="http://schemas.microsoft.com/office/drawing/2010/main">
+                            <a:solidFill>
+                              <a:srgbClr val="FFFFFF"/>
+                            </a:solidFill>
+                          </a14:hiddenFill>
+                        </a:ext>
+                        <a:ext uri="{91240B29-F687-4F45-9708-019B960494DF}">
+                          <a14:hiddenLine xmlns:a14="http://schemas.microsoft.com/office/drawing/2010/main" w="9525">
+                            <a:solidFill>
+                              <a:srgbClr val="000000"/>
+                            </a:solidFill>
+                            <a:miter lim="800000"/>
+                            <a:headEnd/>
+                            <a:tailEnd/>
+                          </a14:hiddenLine>
+                        </a:ext>
+                      </a:extLst>
+                    </p:spPr>
+                  </p:pic>
+                </p:oleObj>
+              </mc:Fallback>
+            </mc:AlternateContent>
+          </a:graphicData>
+        </a:graphic>
+      </p:graphicFrame>
+      <p:graphicFrame>
+        <p:nvGraphicFramePr>
+          <p:cNvPr id="5" name="4 Objeto"/>
+          <p:cNvGraphicFramePr>
+            <a:graphicFrameLocks noChangeAspect="1"/>
+          </p:cNvGraphicFramePr>
+          <p:nvPr>
+            <p:extLst>
+              <p:ext uri="{D42A27DB-BD31-4B8C-83A1-F6EECF244321}">
+                <p14:modId xmlns:p14="http://schemas.microsoft.com/office/powerpoint/2010/main" val="2813431673"/>
+              </p:ext>
+            </p:extLst>
+          </p:nvPr>
+        </p:nvGraphicFramePr>
+        <p:xfrm>
+          <a:off x="11112500" y="4606031"/>
+          <a:ext cx="496888" cy="506413"/>
+        </p:xfrm>
+        <a:graphic>
+          <a:graphicData uri="http://schemas.openxmlformats.org/presentationml/2006/ole">
+            <mc:AlternateContent xmlns:mc="http://schemas.openxmlformats.org/markup-compatibility/2006">
+              <mc:Choice xmlns:v="urn:schemas-microsoft-com:vml" Requires="v">
+                <p:oleObj spid="_x0000_s1113" name="Ecuación" r:id="rId16" imgW="215640" imgH="203040" progId="Equation.3">
+                  <p:embed/>
+                </p:oleObj>
+              </mc:Choice>
+              <mc:Fallback>
+                <p:oleObj name="Ecuación" r:id="rId16" imgW="215640" imgH="203040" progId="Equation.3">
+                  <p:embed/>
+                  <p:pic>
+                    <p:nvPicPr>
+                      <p:cNvPr id="0" name="3 Objeto"/>
+                      <p:cNvPicPr>
+                        <a:picLocks noChangeAspect="1" noChangeArrowheads="1"/>
+                      </p:cNvPicPr>
+                      <p:nvPr/>
+                    </p:nvPicPr>
+                    <p:blipFill>
+                      <a:blip r:embed="rId17"/>
+                      <a:srcRect/>
+                      <a:stretch>
+                        <a:fillRect/>
+                      </a:stretch>
+                    </p:blipFill>
+                    <p:spPr bwMode="auto">
+                      <a:xfrm>
+                        <a:off x="11112500" y="4606031"/>
+                        <a:ext cx="496888" cy="506413"/>
+                      </a:xfrm>
+                      <a:prstGeom prst="rect">
+                        <a:avLst/>
+                      </a:prstGeom>
+                      <a:noFill/>
+                      <a:ln>
+                        <a:noFill/>
+                      </a:ln>
+                      <a:extLst>
+                        <a:ext uri="{909E8E84-426E-40DD-AFC4-6F175D3DCCD1}">
+                          <a14:hiddenFill xmlns:a14="http://schemas.microsoft.com/office/drawing/2010/main">
+                            <a:solidFill>
+                              <a:srgbClr val="FFFFFF"/>
+                            </a:solidFill>
+                          </a14:hiddenFill>
+                        </a:ext>
+                        <a:ext uri="{91240B29-F687-4F45-9708-019B960494DF}">
+                          <a14:hiddenLine xmlns:a14="http://schemas.microsoft.com/office/drawing/2010/main" w="9525">
+                            <a:solidFill>
+                              <a:srgbClr val="000000"/>
+                            </a:solidFill>
+                            <a:miter lim="800000"/>
+                            <a:headEnd/>
+                            <a:tailEnd/>
+                          </a14:hiddenLine>
+                        </a:ext>
+                      </a:extLst>
+                    </p:spPr>
+                  </p:pic>
+                </p:oleObj>
+              </mc:Fallback>
+            </mc:AlternateContent>
+          </a:graphicData>
+        </a:graphic>
+      </p:graphicFrame>
+      <p:graphicFrame>
+        <p:nvGraphicFramePr>
+          <p:cNvPr id="10" name="9 Objeto"/>
+          <p:cNvGraphicFramePr>
+            <a:graphicFrameLocks noChangeAspect="1"/>
+          </p:cNvGraphicFramePr>
+          <p:nvPr>
+            <p:extLst>
+              <p:ext uri="{D42A27DB-BD31-4B8C-83A1-F6EECF244321}">
+                <p14:modId xmlns:p14="http://schemas.microsoft.com/office/powerpoint/2010/main" val="1329773569"/>
+              </p:ext>
+            </p:extLst>
+          </p:nvPr>
+        </p:nvGraphicFramePr>
+        <p:xfrm>
+          <a:off x="15613063" y="4606031"/>
+          <a:ext cx="555625" cy="506413"/>
+        </p:xfrm>
+        <a:graphic>
+          <a:graphicData uri="http://schemas.openxmlformats.org/presentationml/2006/ole">
+            <mc:AlternateContent xmlns:mc="http://schemas.openxmlformats.org/markup-compatibility/2006">
+              <mc:Choice xmlns:v="urn:schemas-microsoft-com:vml" Requires="v">
+                <p:oleObj spid="_x0000_s1114" name="Ecuación" r:id="rId18" imgW="241200" imgH="203040" progId="Equation.3">
+                  <p:embed/>
+                </p:oleObj>
+              </mc:Choice>
+              <mc:Fallback>
+                <p:oleObj name="Ecuación" r:id="rId18" imgW="241200" imgH="203040" progId="Equation.3">
+                  <p:embed/>
+                  <p:pic>
+                    <p:nvPicPr>
+                      <p:cNvPr id="0" name="4 Objeto"/>
+                      <p:cNvPicPr>
+                        <a:picLocks noChangeAspect="1" noChangeArrowheads="1"/>
+                      </p:cNvPicPr>
+                      <p:nvPr/>
+                    </p:nvPicPr>
+                    <p:blipFill>
+                      <a:blip r:embed="rId19"/>
+                      <a:srcRect/>
+                      <a:stretch>
+                        <a:fillRect/>
+                      </a:stretch>
+                    </p:blipFill>
+                    <p:spPr bwMode="auto">
+                      <a:xfrm>
+                        <a:off x="15613063" y="4606031"/>
+                        <a:ext cx="555625" cy="506413"/>
+                      </a:xfrm>
+                      <a:prstGeom prst="rect">
+                        <a:avLst/>
+                      </a:prstGeom>
+                      <a:noFill/>
+                      <a:ln>
+                        <a:noFill/>
+                      </a:ln>
+                      <a:extLst>
+                        <a:ext uri="{909E8E84-426E-40DD-AFC4-6F175D3DCCD1}">
+                          <a14:hiddenFill xmlns:a14="http://schemas.microsoft.com/office/drawing/2010/main">
+                            <a:solidFill>
+                              <a:srgbClr val="FFFFFF"/>
+                            </a:solidFill>
+                          </a14:hiddenFill>
+                        </a:ext>
+                        <a:ext uri="{91240B29-F687-4F45-9708-019B960494DF}">
+                          <a14:hiddenLine xmlns:a14="http://schemas.microsoft.com/office/drawing/2010/main" w="9525">
+                            <a:solidFill>
+                              <a:srgbClr val="000000"/>
+                            </a:solidFill>
+                            <a:miter lim="800000"/>
+                            <a:headEnd/>
+                            <a:tailEnd/>
+                          </a14:hiddenLine>
+                        </a:ext>
+                      </a:extLst>
+                    </p:spPr>
+                  </p:pic>
+                </p:oleObj>
+              </mc:Fallback>
+            </mc:AlternateContent>
+          </a:graphicData>
+        </a:graphic>
+      </p:graphicFrame>
+      <p:graphicFrame>
+        <p:nvGraphicFramePr>
+          <p:cNvPr id="11" name="10 Objeto"/>
+          <p:cNvGraphicFramePr>
+            <a:graphicFrameLocks noChangeAspect="1"/>
+          </p:cNvGraphicFramePr>
+          <p:nvPr>
+            <p:extLst>
+              <p:ext uri="{D42A27DB-BD31-4B8C-83A1-F6EECF244321}">
+                <p14:modId xmlns:p14="http://schemas.microsoft.com/office/powerpoint/2010/main" val="1373379134"/>
+              </p:ext>
+            </p:extLst>
+          </p:nvPr>
+        </p:nvGraphicFramePr>
+        <p:xfrm>
+          <a:off x="19912013" y="4606031"/>
+          <a:ext cx="496887" cy="506413"/>
+        </p:xfrm>
+        <a:graphic>
+          <a:graphicData uri="http://schemas.openxmlformats.org/presentationml/2006/ole">
+            <mc:AlternateContent xmlns:mc="http://schemas.openxmlformats.org/markup-compatibility/2006">
+              <mc:Choice xmlns:v="urn:schemas-microsoft-com:vml" Requires="v">
+                <p:oleObj spid="_x0000_s1115" name="Ecuación" r:id="rId20" imgW="215640" imgH="203040" progId="Equation.3">
+                  <p:embed/>
+                </p:oleObj>
+              </mc:Choice>
+              <mc:Fallback>
+                <p:oleObj name="Ecuación" r:id="rId20" imgW="215640" imgH="203040" progId="Equation.3">
+                  <p:embed/>
+                  <p:pic>
+                    <p:nvPicPr>
+                      <p:cNvPr id="0" name="9 Objeto"/>
+                      <p:cNvPicPr>
+                        <a:picLocks noChangeAspect="1" noChangeArrowheads="1"/>
+                      </p:cNvPicPr>
+                      <p:nvPr/>
+                    </p:nvPicPr>
+                    <p:blipFill>
+                      <a:blip r:embed="rId21"/>
+                      <a:srcRect/>
+                      <a:stretch>
+                        <a:fillRect/>
+                      </a:stretch>
+                    </p:blipFill>
+                    <p:spPr bwMode="auto">
+                      <a:xfrm>
+                        <a:off x="19912013" y="4606031"/>
+                        <a:ext cx="496887" cy="506413"/>
+                      </a:xfrm>
+                      <a:prstGeom prst="rect">
+                        <a:avLst/>
+                      </a:prstGeom>
+                      <a:noFill/>
+                      <a:ln>
+                        <a:noFill/>
+                      </a:ln>
+                      <a:extLst>
+                        <a:ext uri="{909E8E84-426E-40DD-AFC4-6F175D3DCCD1}">
+                          <a14:hiddenFill xmlns:a14="http://schemas.microsoft.com/office/drawing/2010/main">
+                            <a:solidFill>
+                              <a:srgbClr val="FFFFFF"/>
+                            </a:solidFill>
+                          </a14:hiddenFill>
+                        </a:ext>
+                        <a:ext uri="{91240B29-F687-4F45-9708-019B960494DF}">
+                          <a14:hiddenLine xmlns:a14="http://schemas.microsoft.com/office/drawing/2010/main" w="9525">
+                            <a:solidFill>
+                              <a:srgbClr val="000000"/>
+                            </a:solidFill>
+                            <a:miter lim="800000"/>
+                            <a:headEnd/>
+                            <a:tailEnd/>
+                          </a14:hiddenLine>
+                        </a:ext>
+                      </a:extLst>
+                    </p:spPr>
+                  </p:pic>
+                </p:oleObj>
+              </mc:Fallback>
+            </mc:AlternateContent>
+          </a:graphicData>
+        </a:graphic>
+      </p:graphicFrame>
+      <p:graphicFrame>
+        <p:nvGraphicFramePr>
+          <p:cNvPr id="12" name="11 Objeto"/>
+          <p:cNvGraphicFramePr>
+            <a:graphicFrameLocks noChangeAspect="1"/>
+          </p:cNvGraphicFramePr>
+          <p:nvPr>
+            <p:extLst>
+              <p:ext uri="{D42A27DB-BD31-4B8C-83A1-F6EECF244321}">
+                <p14:modId xmlns:p14="http://schemas.microsoft.com/office/powerpoint/2010/main" val="2969540856"/>
+              </p:ext>
+            </p:extLst>
+          </p:nvPr>
+        </p:nvGraphicFramePr>
+        <p:xfrm>
+          <a:off x="24742775" y="4606031"/>
+          <a:ext cx="585788" cy="506413"/>
+        </p:xfrm>
+        <a:graphic>
+          <a:graphicData uri="http://schemas.openxmlformats.org/presentationml/2006/ole">
+            <mc:AlternateContent xmlns:mc="http://schemas.openxmlformats.org/markup-compatibility/2006">
+              <mc:Choice xmlns:v="urn:schemas-microsoft-com:vml" Requires="v">
+                <p:oleObj spid="_x0000_s1116" name="Ecuación" r:id="rId22" imgW="253800" imgH="203040" progId="Equation.3">
+                  <p:embed/>
+                </p:oleObj>
+              </mc:Choice>
+              <mc:Fallback>
+                <p:oleObj name="Ecuación" r:id="rId22" imgW="253800" imgH="203040" progId="Equation.3">
+                  <p:embed/>
+                  <p:pic>
+                    <p:nvPicPr>
+                      <p:cNvPr id="0" name="10 Objeto"/>
+                      <p:cNvPicPr>
+                        <a:picLocks noChangeAspect="1" noChangeArrowheads="1"/>
+                      </p:cNvPicPr>
+                      <p:nvPr/>
+                    </p:nvPicPr>
+                    <p:blipFill>
+                      <a:blip r:embed="rId23"/>
+                      <a:srcRect/>
+                      <a:stretch>
+                        <a:fillRect/>
+                      </a:stretch>
+                    </p:blipFill>
+                    <p:spPr bwMode="auto">
+                      <a:xfrm>
+                        <a:off x="24742775" y="4606031"/>
+                        <a:ext cx="585788" cy="506413"/>
+                      </a:xfrm>
+                      <a:prstGeom prst="rect">
+                        <a:avLst/>
+                      </a:prstGeom>
+                      <a:noFill/>
+                      <a:ln>
+                        <a:noFill/>
+                      </a:ln>
+                      <a:extLst>
+                        <a:ext uri="{909E8E84-426E-40DD-AFC4-6F175D3DCCD1}">
+                          <a14:hiddenFill xmlns:a14="http://schemas.microsoft.com/office/drawing/2010/main">
+                            <a:solidFill>
+                              <a:srgbClr val="FFFFFF"/>
+                            </a:solidFill>
+                          </a14:hiddenFill>
+                        </a:ext>
+                        <a:ext uri="{91240B29-F687-4F45-9708-019B960494DF}">
+                          <a14:hiddenLine xmlns:a14="http://schemas.microsoft.com/office/drawing/2010/main" w="9525">
+                            <a:solidFill>
+                              <a:srgbClr val="000000"/>
+                            </a:solidFill>
+                            <a:miter lim="800000"/>
+                            <a:headEnd/>
+                            <a:tailEnd/>
+                          </a14:hiddenLine>
+                        </a:ext>
+                      </a:extLst>
+                    </p:spPr>
+                  </p:pic>
+                </p:oleObj>
+              </mc:Fallback>
+            </mc:AlternateContent>
+          </a:graphicData>
+        </a:graphic>
+      </p:graphicFrame>
     </p:spTree>
     <p:extLst>
       <p:ext uri="{BB962C8B-B14F-4D97-AF65-F5344CB8AC3E}">
